--- a/materials/slides/ch08.pptx
+++ b/materials/slides/ch08.pptx
@@ -34,20 +34,20 @@
   <p:notesSz cx="6858000" cy="9144000"/>
   <p:embeddedFontLst>
     <p:embeddedFont>
-      <p:font typeface="微软雅黑" panose="020B0503020204020204" pitchFamily="34" charset="-122"/>
+      <p:font typeface="Calibri" panose="020F0502020204030204" pitchFamily="34" charset="0"/>
       <p:regular r:id="rId24"/>
       <p:bold r:id="rId25"/>
-    </p:embeddedFont>
-    <p:embeddedFont>
-      <p:font typeface="Calibri" panose="020F0502020204030204" pitchFamily="34" charset="0"/>
-      <p:regular r:id="rId26"/>
-      <p:bold r:id="rId27"/>
-      <p:italic r:id="rId28"/>
-      <p:boldItalic r:id="rId29"/>
+      <p:italic r:id="rId26"/>
+      <p:boldItalic r:id="rId27"/>
     </p:embeddedFont>
     <p:embeddedFont>
       <p:font typeface="黑体" panose="02010609060101010101" pitchFamily="49" charset="-122"/>
-      <p:regular r:id="rId30"/>
+      <p:regular r:id="rId28"/>
+    </p:embeddedFont>
+    <p:embeddedFont>
+      <p:font typeface="微软雅黑" panose="020B0503020204020204" pitchFamily="34" charset="-122"/>
+      <p:regular r:id="rId29"/>
+      <p:bold r:id="rId30"/>
     </p:embeddedFont>
   </p:embeddedFontLst>
   <p:defaultTextStyle>
@@ -194,10 +194,6 @@
 </p:presentation>
 </file>
 
-<file path=ppt/revisionInfo.xml><?xml version="1.0" encoding="utf-8"?>
-<p1510:revInfo xmlns:a="http://schemas.openxmlformats.org/drawingml/2006/main" xmlns:r="http://schemas.openxmlformats.org/officeDocument/2006/relationships" xmlns:p1510="http://schemas.microsoft.com/office/powerpoint/2015/10/main"/>
-</file>
-
 <file path=ppt/notesMasters/notesMaster1.xml><?xml version="1.0" encoding="utf-8"?>
 <p:notesMaster xmlns:a="http://schemas.openxmlformats.org/drawingml/2006/main" xmlns:r="http://schemas.openxmlformats.org/officeDocument/2006/relationships" xmlns:p="http://schemas.openxmlformats.org/presentationml/2006/main">
   <p:cSld>
@@ -293,7 +289,7 @@
               <a:pPr>
                 <a:defRPr/>
               </a:pPr>
-              <a:t>2018/2/5</a:t>
+              <a:t>2019/7/16</a:t>
             </a:fld>
             <a:endParaRPr lang="zh-CN" altLang="en-US"/>
           </a:p>
@@ -2035,7 +2031,7 @@
           <a:graphicData uri="http://schemas.openxmlformats.org/presentationml/2006/ole">
             <mc:AlternateContent xmlns:mc="http://schemas.openxmlformats.org/markup-compatibility/2006">
               <mc:Choice xmlns:v="urn:schemas-microsoft-com:vml" Requires="v">
-                <p:oleObj spid="_x0000_s45080" r:id="rId4" imgW="7222617" imgH="1138809" progId="">
+                <p:oleObj spid="_x0000_s45081" r:id="rId4" imgW="7222617" imgH="1138809" progId="">
                   <p:embed/>
                 </p:oleObj>
               </mc:Choice>
@@ -2481,7 +2477,7 @@
               <a:pPr>
                 <a:defRPr/>
               </a:pPr>
-              <a:t>2018/2/5</a:t>
+              <a:t>2019/7/16</a:t>
             </a:fld>
             <a:endParaRPr lang="zh-CN" altLang="en-US"/>
           </a:p>
@@ -2686,7 +2682,7 @@
               <a:pPr>
                 <a:defRPr/>
               </a:pPr>
-              <a:t>2018/2/5</a:t>
+              <a:t>2019/7/16</a:t>
             </a:fld>
             <a:endParaRPr lang="zh-CN" altLang="en-US"/>
           </a:p>
@@ -2851,7 +2847,7 @@
           <a:graphicData uri="http://schemas.openxmlformats.org/presentationml/2006/ole">
             <mc:AlternateContent xmlns:mc="http://schemas.openxmlformats.org/markup-compatibility/2006">
               <mc:Choice xmlns:v="urn:schemas-microsoft-com:vml" Requires="v">
-                <p:oleObj spid="_x0000_s50200" r:id="rId4" imgW="7222617" imgH="1138809" progId="">
+                <p:oleObj spid="_x0000_s50201" r:id="rId4" imgW="7222617" imgH="1138809" progId="">
                   <p:embed/>
                 </p:oleObj>
               </mc:Choice>
@@ -3401,7 +3397,7 @@
           <a:graphicData uri="http://schemas.openxmlformats.org/presentationml/2006/ole">
             <mc:AlternateContent xmlns:mc="http://schemas.openxmlformats.org/markup-compatibility/2006">
               <mc:Choice xmlns:v="urn:schemas-microsoft-com:vml" Requires="v">
-                <p:oleObj spid="_x0000_s46104" r:id="rId4" imgW="7222617" imgH="1138809" progId="">
+                <p:oleObj spid="_x0000_s46105" r:id="rId4" imgW="7222617" imgH="1138809" progId="">
                   <p:embed/>
                 </p:oleObj>
               </mc:Choice>
@@ -3940,7 +3936,7 @@
           <a:graphicData uri="http://schemas.openxmlformats.org/presentationml/2006/ole">
             <mc:AlternateContent xmlns:mc="http://schemas.openxmlformats.org/markup-compatibility/2006">
               <mc:Choice xmlns:v="urn:schemas-microsoft-com:vml" Requires="v">
-                <p:oleObj spid="_x0000_s47128" r:id="rId4" imgW="7222617" imgH="1138809" progId="">
+                <p:oleObj spid="_x0000_s47129" r:id="rId4" imgW="7222617" imgH="1138809" progId="">
                   <p:embed/>
                 </p:oleObj>
               </mc:Choice>
@@ -4463,7 +4459,7 @@
           <a:graphicData uri="http://schemas.openxmlformats.org/presentationml/2006/ole">
             <mc:AlternateContent xmlns:mc="http://schemas.openxmlformats.org/markup-compatibility/2006">
               <mc:Choice xmlns:v="urn:schemas-microsoft-com:vml" Requires="v">
-                <p:oleObj spid="_x0000_s48152" r:id="rId4" imgW="7222617" imgH="1138809" progId="">
+                <p:oleObj spid="_x0000_s48153" r:id="rId4" imgW="7222617" imgH="1138809" progId="">
                   <p:embed/>
                 </p:oleObj>
               </mc:Choice>
@@ -5000,7 +4996,7 @@
               <a:pPr>
                 <a:defRPr/>
               </a:pPr>
-              <a:t>2018/2/5</a:t>
+              <a:t>2019/7/16</a:t>
             </a:fld>
             <a:endParaRPr lang="zh-CN" altLang="en-US"/>
           </a:p>
@@ -5446,7 +5442,7 @@
               <a:pPr>
                 <a:defRPr/>
               </a:pPr>
-              <a:t>2018/2/5</a:t>
+              <a:t>2019/7/16</a:t>
             </a:fld>
             <a:endParaRPr lang="zh-CN" altLang="en-US"/>
           </a:p>
@@ -5611,7 +5607,7 @@
           <a:graphicData uri="http://schemas.openxmlformats.org/presentationml/2006/ole">
             <mc:AlternateContent xmlns:mc="http://schemas.openxmlformats.org/markup-compatibility/2006">
               <mc:Choice xmlns:v="urn:schemas-microsoft-com:vml" Requires="v">
-                <p:oleObj spid="_x0000_s49176" r:id="rId4" imgW="7222617" imgH="1138809" progId="">
+                <p:oleObj spid="_x0000_s49177" r:id="rId4" imgW="7222617" imgH="1138809" progId="">
                   <p:embed/>
                 </p:oleObj>
               </mc:Choice>
@@ -5980,7 +5976,7 @@
               <a:pPr>
                 <a:defRPr/>
               </a:pPr>
-              <a:t>2018/2/5</a:t>
+              <a:t>2019/7/16</a:t>
             </a:fld>
             <a:endParaRPr lang="zh-CN" altLang="en-US"/>
           </a:p>
@@ -6102,7 +6098,7 @@
               <a:pPr>
                 <a:defRPr/>
               </a:pPr>
-              <a:t>2018/2/5</a:t>
+              <a:t>2019/7/16</a:t>
             </a:fld>
             <a:endParaRPr lang="zh-CN" altLang="en-US"/>
           </a:p>
@@ -6404,7 +6400,7 @@
               <a:pPr>
                 <a:defRPr/>
               </a:pPr>
-              <a:t>2018/2/5</a:t>
+              <a:t>2019/7/16</a:t>
             </a:fld>
             <a:endParaRPr lang="zh-CN" altLang="en-US"/>
           </a:p>
@@ -6686,7 +6682,7 @@
               <a:pPr>
                 <a:defRPr/>
               </a:pPr>
-              <a:t>2018/2/5</a:t>
+              <a:t>2019/7/16</a:t>
             </a:fld>
             <a:endParaRPr lang="zh-CN" altLang="en-US"/>
           </a:p>
@@ -7033,7 +7029,7 @@
               <a:pPr>
                 <a:defRPr/>
               </a:pPr>
-              <a:t>2018/2/5</a:t>
+              <a:t>2019/7/16</a:t>
             </a:fld>
             <a:endParaRPr lang="zh-CN" altLang="en-US"/>
           </a:p>
@@ -7153,7 +7149,7 @@
           <a:graphicData uri="http://schemas.openxmlformats.org/presentationml/2006/ole">
             <mc:AlternateContent xmlns:mc="http://schemas.openxmlformats.org/markup-compatibility/2006">
               <mc:Choice xmlns:v="urn:schemas-microsoft-com:vml" Requires="v">
-                <p:oleObj spid="_x0000_s1056" r:id="rId16" imgW="7222617" imgH="1138809" progId="">
+                <p:oleObj spid="_x0000_s1057" r:id="rId16" imgW="7222617" imgH="1138809" progId="">
                   <p:embed/>
                 </p:oleObj>
               </mc:Choice>
@@ -10148,9 +10144,10 @@
               <a:t>10</a:t>
             </a:r>
             <a:r>
-              <a:rPr lang="zh-CN" altLang="en-US" dirty="0"/>
-              <a:t>个烤羊肉串。</a:t>
-            </a:r>
+              <a:rPr lang="zh-CN" altLang="en-US"/>
+              <a:t>个烤羊肉串。 </a:t>
+            </a:r>
+            <a:endParaRPr lang="zh-CN" altLang="en-US" dirty="0"/>
           </a:p>
         </p:txBody>
       </p:sp>
